--- a/프로젝트/설계 단계 계획서/ACC_ERD.pptx
+++ b/프로젝트/설계 단계 계획서/ACC_ERD.pptx
@@ -104,6 +104,11 @@
       </a:defRPr>
     </a:lvl9pPr>
   </p:defaultTextStyle>
+  <p:extLst>
+    <p:ext uri="{EFAFB233-063F-42B5-8137-9DF3F51BA10A}">
+      <p15:sldGuideLst xmlns:p15="http://schemas.microsoft.com/office/powerpoint/2012/main"/>
+    </p:ext>
+  </p:extLst>
 </p:presentation>
 </file>
 
@@ -238,7 +243,7 @@
           <a:p>
             <a:fld id="{3C27D782-0342-426D-B0A1-08122858EC9E}" type="datetimeFigureOut">
               <a:rPr lang="ko-KR" altLang="en-US" smtClean="0"/>
-              <a:t>2023-05-09</a:t>
+              <a:t>2023-05-23</a:t>
             </a:fld>
             <a:endParaRPr lang="ko-KR" altLang="en-US"/>
           </a:p>
@@ -408,7 +413,7 @@
           <a:p>
             <a:fld id="{3C27D782-0342-426D-B0A1-08122858EC9E}" type="datetimeFigureOut">
               <a:rPr lang="ko-KR" altLang="en-US" smtClean="0"/>
-              <a:t>2023-05-09</a:t>
+              <a:t>2023-05-23</a:t>
             </a:fld>
             <a:endParaRPr lang="ko-KR" altLang="en-US"/>
           </a:p>
@@ -588,7 +593,7 @@
           <a:p>
             <a:fld id="{3C27D782-0342-426D-B0A1-08122858EC9E}" type="datetimeFigureOut">
               <a:rPr lang="ko-KR" altLang="en-US" smtClean="0"/>
-              <a:t>2023-05-09</a:t>
+              <a:t>2023-05-23</a:t>
             </a:fld>
             <a:endParaRPr lang="ko-KR" altLang="en-US"/>
           </a:p>
@@ -758,7 +763,7 @@
           <a:p>
             <a:fld id="{3C27D782-0342-426D-B0A1-08122858EC9E}" type="datetimeFigureOut">
               <a:rPr lang="ko-KR" altLang="en-US" smtClean="0"/>
-              <a:t>2023-05-09</a:t>
+              <a:t>2023-05-23</a:t>
             </a:fld>
             <a:endParaRPr lang="ko-KR" altLang="en-US"/>
           </a:p>
@@ -1004,7 +1009,7 @@
           <a:p>
             <a:fld id="{3C27D782-0342-426D-B0A1-08122858EC9E}" type="datetimeFigureOut">
               <a:rPr lang="ko-KR" altLang="en-US" smtClean="0"/>
-              <a:t>2023-05-09</a:t>
+              <a:t>2023-05-23</a:t>
             </a:fld>
             <a:endParaRPr lang="ko-KR" altLang="en-US"/>
           </a:p>
@@ -1236,7 +1241,7 @@
           <a:p>
             <a:fld id="{3C27D782-0342-426D-B0A1-08122858EC9E}" type="datetimeFigureOut">
               <a:rPr lang="ko-KR" altLang="en-US" smtClean="0"/>
-              <a:t>2023-05-09</a:t>
+              <a:t>2023-05-23</a:t>
             </a:fld>
             <a:endParaRPr lang="ko-KR" altLang="en-US"/>
           </a:p>
@@ -1603,7 +1608,7 @@
           <a:p>
             <a:fld id="{3C27D782-0342-426D-B0A1-08122858EC9E}" type="datetimeFigureOut">
               <a:rPr lang="ko-KR" altLang="en-US" smtClean="0"/>
-              <a:t>2023-05-09</a:t>
+              <a:t>2023-05-23</a:t>
             </a:fld>
             <a:endParaRPr lang="ko-KR" altLang="en-US"/>
           </a:p>
@@ -1721,7 +1726,7 @@
           <a:p>
             <a:fld id="{3C27D782-0342-426D-B0A1-08122858EC9E}" type="datetimeFigureOut">
               <a:rPr lang="ko-KR" altLang="en-US" smtClean="0"/>
-              <a:t>2023-05-09</a:t>
+              <a:t>2023-05-23</a:t>
             </a:fld>
             <a:endParaRPr lang="ko-KR" altLang="en-US"/>
           </a:p>
@@ -1816,7 +1821,7 @@
           <a:p>
             <a:fld id="{3C27D782-0342-426D-B0A1-08122858EC9E}" type="datetimeFigureOut">
               <a:rPr lang="ko-KR" altLang="en-US" smtClean="0"/>
-              <a:t>2023-05-09</a:t>
+              <a:t>2023-05-23</a:t>
             </a:fld>
             <a:endParaRPr lang="ko-KR" altLang="en-US"/>
           </a:p>
@@ -2093,7 +2098,7 @@
           <a:p>
             <a:fld id="{3C27D782-0342-426D-B0A1-08122858EC9E}" type="datetimeFigureOut">
               <a:rPr lang="ko-KR" altLang="en-US" smtClean="0"/>
-              <a:t>2023-05-09</a:t>
+              <a:t>2023-05-23</a:t>
             </a:fld>
             <a:endParaRPr lang="ko-KR" altLang="en-US"/>
           </a:p>
@@ -2346,7 +2351,7 @@
           <a:p>
             <a:fld id="{3C27D782-0342-426D-B0A1-08122858EC9E}" type="datetimeFigureOut">
               <a:rPr lang="ko-KR" altLang="en-US" smtClean="0"/>
-              <a:t>2023-05-09</a:t>
+              <a:t>2023-05-23</a:t>
             </a:fld>
             <a:endParaRPr lang="ko-KR" altLang="en-US"/>
           </a:p>
@@ -2559,7 +2564,7 @@
           <a:p>
             <a:fld id="{3C27D782-0342-426D-B0A1-08122858EC9E}" type="datetimeFigureOut">
               <a:rPr lang="ko-KR" altLang="en-US" smtClean="0"/>
-              <a:t>2023-05-09</a:t>
+              <a:t>2023-05-23</a:t>
             </a:fld>
             <a:endParaRPr lang="ko-KR" altLang="en-US"/>
           </a:p>
@@ -3194,7 +3199,7 @@
       </p:sp>
       <p:pic>
         <p:nvPicPr>
-          <p:cNvPr id="26" name="그림 25"/>
+          <p:cNvPr id="2" name="그림 1"/>
           <p:cNvPicPr>
             <a:picLocks noChangeAspect="1"/>
           </p:cNvPicPr>
@@ -3214,8 +3219,8 @@
         </p:blipFill>
         <p:spPr>
           <a:xfrm>
-            <a:off x="2818684" y="1086291"/>
-            <a:ext cx="6554632" cy="5781040"/>
+            <a:off x="2955086" y="1147664"/>
+            <a:ext cx="6288694" cy="5710335"/>
           </a:xfrm>
           <a:prstGeom prst="rect">
             <a:avLst/>
@@ -3233,7 +3238,7 @@
     <a:masterClrMapping/>
   </p:clrMapOvr>
   <mc:AlternateContent xmlns:mc="http://schemas.openxmlformats.org/markup-compatibility/2006">
-    <mc:Choice xmlns:p159="http://schemas.microsoft.com/office/powerpoint/2015/09/main" xmlns="" Requires="p159">
+    <mc:Choice xmlns="" xmlns:p159="http://schemas.microsoft.com/office/powerpoint/2015/09/main" Requires="p159">
       <p:transition xmlns:p14="http://schemas.microsoft.com/office/powerpoint/2010/main" spd="slow" p14:dur="2000" advClick="0" advTm="1000">
         <p159:morph option="byObject"/>
       </p:transition>

--- a/프로젝트/설계 단계 계획서/ACC_ERD.pptx
+++ b/프로젝트/설계 단계 계획서/ACC_ERD.pptx
@@ -243,7 +243,7 @@
           <a:p>
             <a:fld id="{3C27D782-0342-426D-B0A1-08122858EC9E}" type="datetimeFigureOut">
               <a:rPr lang="ko-KR" altLang="en-US" smtClean="0"/>
-              <a:t>2023-05-23</a:t>
+              <a:t>2023-06-14</a:t>
             </a:fld>
             <a:endParaRPr lang="ko-KR" altLang="en-US"/>
           </a:p>
@@ -413,7 +413,7 @@
           <a:p>
             <a:fld id="{3C27D782-0342-426D-B0A1-08122858EC9E}" type="datetimeFigureOut">
               <a:rPr lang="ko-KR" altLang="en-US" smtClean="0"/>
-              <a:t>2023-05-23</a:t>
+              <a:t>2023-06-14</a:t>
             </a:fld>
             <a:endParaRPr lang="ko-KR" altLang="en-US"/>
           </a:p>
@@ -593,7 +593,7 @@
           <a:p>
             <a:fld id="{3C27D782-0342-426D-B0A1-08122858EC9E}" type="datetimeFigureOut">
               <a:rPr lang="ko-KR" altLang="en-US" smtClean="0"/>
-              <a:t>2023-05-23</a:t>
+              <a:t>2023-06-14</a:t>
             </a:fld>
             <a:endParaRPr lang="ko-KR" altLang="en-US"/>
           </a:p>
@@ -763,7 +763,7 @@
           <a:p>
             <a:fld id="{3C27D782-0342-426D-B0A1-08122858EC9E}" type="datetimeFigureOut">
               <a:rPr lang="ko-KR" altLang="en-US" smtClean="0"/>
-              <a:t>2023-05-23</a:t>
+              <a:t>2023-06-14</a:t>
             </a:fld>
             <a:endParaRPr lang="ko-KR" altLang="en-US"/>
           </a:p>
@@ -1009,7 +1009,7 @@
           <a:p>
             <a:fld id="{3C27D782-0342-426D-B0A1-08122858EC9E}" type="datetimeFigureOut">
               <a:rPr lang="ko-KR" altLang="en-US" smtClean="0"/>
-              <a:t>2023-05-23</a:t>
+              <a:t>2023-06-14</a:t>
             </a:fld>
             <a:endParaRPr lang="ko-KR" altLang="en-US"/>
           </a:p>
@@ -1241,7 +1241,7 @@
           <a:p>
             <a:fld id="{3C27D782-0342-426D-B0A1-08122858EC9E}" type="datetimeFigureOut">
               <a:rPr lang="ko-KR" altLang="en-US" smtClean="0"/>
-              <a:t>2023-05-23</a:t>
+              <a:t>2023-06-14</a:t>
             </a:fld>
             <a:endParaRPr lang="ko-KR" altLang="en-US"/>
           </a:p>
@@ -1608,7 +1608,7 @@
           <a:p>
             <a:fld id="{3C27D782-0342-426D-B0A1-08122858EC9E}" type="datetimeFigureOut">
               <a:rPr lang="ko-KR" altLang="en-US" smtClean="0"/>
-              <a:t>2023-05-23</a:t>
+              <a:t>2023-06-14</a:t>
             </a:fld>
             <a:endParaRPr lang="ko-KR" altLang="en-US"/>
           </a:p>
@@ -1726,7 +1726,7 @@
           <a:p>
             <a:fld id="{3C27D782-0342-426D-B0A1-08122858EC9E}" type="datetimeFigureOut">
               <a:rPr lang="ko-KR" altLang="en-US" smtClean="0"/>
-              <a:t>2023-05-23</a:t>
+              <a:t>2023-06-14</a:t>
             </a:fld>
             <a:endParaRPr lang="ko-KR" altLang="en-US"/>
           </a:p>
@@ -1821,7 +1821,7 @@
           <a:p>
             <a:fld id="{3C27D782-0342-426D-B0A1-08122858EC9E}" type="datetimeFigureOut">
               <a:rPr lang="ko-KR" altLang="en-US" smtClean="0"/>
-              <a:t>2023-05-23</a:t>
+              <a:t>2023-06-14</a:t>
             </a:fld>
             <a:endParaRPr lang="ko-KR" altLang="en-US"/>
           </a:p>
@@ -2098,7 +2098,7 @@
           <a:p>
             <a:fld id="{3C27D782-0342-426D-B0A1-08122858EC9E}" type="datetimeFigureOut">
               <a:rPr lang="ko-KR" altLang="en-US" smtClean="0"/>
-              <a:t>2023-05-23</a:t>
+              <a:t>2023-06-14</a:t>
             </a:fld>
             <a:endParaRPr lang="ko-KR" altLang="en-US"/>
           </a:p>
@@ -2351,7 +2351,7 @@
           <a:p>
             <a:fld id="{3C27D782-0342-426D-B0A1-08122858EC9E}" type="datetimeFigureOut">
               <a:rPr lang="ko-KR" altLang="en-US" smtClean="0"/>
-              <a:t>2023-05-23</a:t>
+              <a:t>2023-06-14</a:t>
             </a:fld>
             <a:endParaRPr lang="ko-KR" altLang="en-US"/>
           </a:p>
@@ -2564,7 +2564,7 @@
           <a:p>
             <a:fld id="{3C27D782-0342-426D-B0A1-08122858EC9E}" type="datetimeFigureOut">
               <a:rPr lang="ko-KR" altLang="en-US" smtClean="0"/>
-              <a:t>2023-05-23</a:t>
+              <a:t>2023-06-14</a:t>
             </a:fld>
             <a:endParaRPr lang="ko-KR" altLang="en-US"/>
           </a:p>
@@ -3219,8 +3219,8 @@
         </p:blipFill>
         <p:spPr>
           <a:xfrm>
-            <a:off x="2955086" y="1147664"/>
-            <a:ext cx="6288694" cy="5710335"/>
+            <a:off x="2955086" y="1076960"/>
+            <a:ext cx="6288694" cy="5741397"/>
           </a:xfrm>
           <a:prstGeom prst="rect">
             <a:avLst/>
@@ -3238,7 +3238,7 @@
     <a:masterClrMapping/>
   </p:clrMapOvr>
   <mc:AlternateContent xmlns:mc="http://schemas.openxmlformats.org/markup-compatibility/2006">
-    <mc:Choice xmlns="" xmlns:p159="http://schemas.microsoft.com/office/powerpoint/2015/09/main" Requires="p159">
+    <mc:Choice xmlns:p159="http://schemas.microsoft.com/office/powerpoint/2015/09/main" xmlns="" Requires="p159">
       <p:transition xmlns:p14="http://schemas.microsoft.com/office/powerpoint/2010/main" spd="slow" p14:dur="2000" advClick="0" advTm="1000">
         <p159:morph option="byObject"/>
       </p:transition>
